--- a/Poster.pptx
+++ b/Poster.pptx
@@ -14849,7 +14849,7 @@
         </p:nvSpPr>
         <p:spPr>
           <a:xfrm>
-            <a:off x="6083209" y="4145944"/>
+            <a:off x="6083209" y="4047170"/>
             <a:ext cx="25151945" cy="1079740"/>
           </a:xfrm>
           <a:prstGeom prst="rect">
@@ -14995,8 +14995,8 @@
         </p:nvSpPr>
         <p:spPr>
           <a:xfrm>
-            <a:off x="457200" y="5987888"/>
-            <a:ext cx="11734800" cy="10293110"/>
+            <a:off x="457199" y="5835560"/>
+            <a:ext cx="11771735" cy="10097134"/>
           </a:xfrm>
           <a:prstGeom prst="rect">
             <a:avLst/>
@@ -15044,7 +15044,7 @@
               </a:lnSpc>
             </a:pPr>
             <a:r>
-              <a:rPr lang="en-US" sz="4000" dirty="0">
+              <a:rPr lang="en-US" sz="3700" dirty="0">
                 <a:solidFill>
                   <a:schemeClr val="dk1"/>
                 </a:solidFill>
@@ -15052,7 +15052,7 @@
               <a:t>In an effort to help the </a:t>
             </a:r>
             <a:r>
-              <a:rPr lang="en-US" sz="4000" dirty="0" err="1">
+              <a:rPr lang="en-US" sz="3700" dirty="0" err="1">
                 <a:solidFill>
                   <a:schemeClr val="dk1"/>
                 </a:solidFill>
@@ -15060,7 +15060,7 @@
               <a:t>Digaai</a:t>
             </a:r>
             <a:r>
-              <a:rPr lang="en-US" sz="4000" dirty="0">
+              <a:rPr lang="en-US" sz="3700" dirty="0">
                 <a:solidFill>
                   <a:schemeClr val="dk1"/>
                 </a:solidFill>
@@ -15068,20 +15068,61 @@
               <a:t>, an online platform that aggregates and tracks the Brazilian diaspora and its cultural influence, the goal of our project is to classify a person's full name as either Brazilian or not </a:t>
             </a:r>
             <a:r>
-              <a:rPr lang="en-US" sz="4000" dirty="0" smtClean="0">
+              <a:rPr lang="en-US" sz="3700" dirty="0" smtClean="0">
                 <a:solidFill>
                   <a:schemeClr val="dk1"/>
                 </a:solidFill>
               </a:rPr>
-              <a:t>Brazilian. We came up with several different models, including a logistic regression, a convolutional neural network, and a recurrent neural network. Using these machine learning techniques, we’ve managed to develop a fairly accurate model for determining whether or not a person is Brazilian based on their first and last name.</a:t>
+              <a:t>Brazilian. </a:t>
             </a:r>
-            <a:endParaRPr sz="4000" dirty="0">
+            <a:endParaRPr lang="en-US" sz="3700" dirty="0" smtClean="0">
               <a:solidFill>
                 <a:schemeClr val="dk1"/>
               </a:solidFill>
-              <a:latin typeface="Arial"/>
-              <a:ea typeface="Arial"/>
-              <a:cs typeface="Arial"/>
+            </a:endParaRPr>
+          </a:p>
+          <a:p>
+            <a:pPr lvl="0">
+              <a:lnSpc>
+                <a:spcPct val="124000"/>
+              </a:lnSpc>
+            </a:pPr>
+            <a:r>
+              <a:rPr lang="en-US" sz="3700" dirty="0" smtClean="0">
+                <a:solidFill>
+                  <a:schemeClr val="dk1"/>
+                </a:solidFill>
+              </a:rPr>
+              <a:t>We </a:t>
+            </a:r>
+            <a:r>
+              <a:rPr lang="en-US" sz="3700" dirty="0" smtClean="0">
+                <a:solidFill>
+                  <a:schemeClr val="dk1"/>
+                </a:solidFill>
+              </a:rPr>
+              <a:t>came up with several different models, including a logistic regression, a </a:t>
+            </a:r>
+            <a:r>
+              <a:rPr lang="en-US" sz="3700" dirty="0" smtClean="0">
+                <a:solidFill>
+                  <a:schemeClr val="dk1"/>
+                </a:solidFill>
+              </a:rPr>
+              <a:t>vanilla </a:t>
+            </a:r>
+            <a:r>
+              <a:rPr lang="en-US" sz="3700" dirty="0" smtClean="0">
+                <a:solidFill>
+                  <a:schemeClr val="dk1"/>
+                </a:solidFill>
+              </a:rPr>
+              <a:t>neural network, and a recurrent neural network. Using these machine learning techniques, we’ve managed to develop a fairly accurate model for determining whether or not a person is Brazilian based on their first and last name.</a:t>
+            </a:r>
+            <a:endParaRPr sz="3700" dirty="0">
+              <a:solidFill>
+                <a:schemeClr val="dk1"/>
+              </a:solidFill>
               <a:sym typeface="Arial"/>
             </a:endParaRPr>
           </a:p>
@@ -15118,8 +15159,8 @@
         </p:nvSpPr>
         <p:spPr>
           <a:xfrm>
-            <a:off x="26738054" y="22448518"/>
-            <a:ext cx="8772056" cy="3575511"/>
+            <a:off x="25904850" y="21191642"/>
+            <a:ext cx="9512362" cy="3575511"/>
           </a:xfrm>
           <a:prstGeom prst="rect">
             <a:avLst/>
@@ -15186,11 +15227,7 @@
             </a:r>
             <a:r>
               <a:rPr lang="en-US" sz="3200" dirty="0"/>
-              <a:t>, and C. Lee Giles. "Name-Ethnicity Classification and Ethnicity-Sensitive Name Matching." AAAI. 2012</a:t>
-            </a:r>
-            <a:r>
-              <a:rPr lang="en-US" sz="3200" dirty="0"/>
-              <a:t> </a:t>
+              <a:t>, and C. Lee Giles. "Name-Ethnicity Classification and Ethnicity-Sensitive Name Matching." AAAI. 2012 </a:t>
             </a:r>
             <a:endParaRPr lang="en-US" sz="3200" dirty="0" smtClean="0"/>
           </a:p>
@@ -15207,37 +15244,20 @@
               <a:buChar char="•"/>
             </a:pPr>
             <a:r>
-              <a:rPr lang="en-US" sz="3200" dirty="0" smtClean="0">
-                <a:solidFill>
-                  <a:schemeClr val="dk1"/>
-                </a:solidFill>
-                <a:latin typeface="Arial"/>
-                <a:ea typeface="Arial"/>
-                <a:cs typeface="Arial"/>
-                <a:sym typeface="Arial"/>
-              </a:rPr>
-              <a:t>Ref 2</a:t>
+              <a:rPr lang="en-US" sz="3200" dirty="0"/>
+              <a:t>Lee, Kim, </a:t>
             </a:r>
-          </a:p>
-          <a:p>
-            <a:pPr marL="571500" lvl="0" indent="-571500">
-              <a:lnSpc>
-                <a:spcPct val="124000"/>
-              </a:lnSpc>
-              <a:buClr>
-                <a:srgbClr val="000000"/>
-              </a:buClr>
-              <a:buSzPts val="3000"/>
-              <a:buFont typeface="Arial"/>
-              <a:buChar char="•"/>
-            </a:pPr>
             <a:r>
-              <a:rPr lang="en-US" sz="3200" dirty="0" smtClean="0">
-                <a:solidFill>
-                  <a:schemeClr val="dk1"/>
-                </a:solidFill>
-              </a:rPr>
-              <a:t>Ref 3</a:t>
+              <a:rPr lang="en-US" sz="3200" dirty="0" err="1"/>
+              <a:t>Ko</a:t>
+            </a:r>
+            <a:r>
+              <a:rPr lang="en-US" sz="3200" dirty="0"/>
+              <a:t>, D. Choi, J. Choi, Kang. “Name Nationality Classification with Recurrent Neural Networks.” IJCAI. 2017</a:t>
+            </a:r>
+            <a:r>
+              <a:rPr lang="en-US" sz="3200" dirty="0" smtClean="0"/>
+              <a:t>.</a:t>
             </a:r>
             <a:endParaRPr sz="3000" dirty="0">
               <a:solidFill>
@@ -15310,8 +15330,8 @@
         </p:nvSpPr>
         <p:spPr>
           <a:xfrm>
-            <a:off x="494135" y="17990022"/>
-            <a:ext cx="11734800" cy="10293110"/>
+            <a:off x="494135" y="14523557"/>
+            <a:ext cx="11734800" cy="9890923"/>
           </a:xfrm>
           <a:prstGeom prst="rect">
             <a:avLst/>
@@ -15368,7 +15388,7 @@
               </a:lnSpc>
             </a:pPr>
             <a:r>
-              <a:rPr lang="en-US" sz="4000" dirty="0">
+              <a:rPr lang="en-US" sz="3700" dirty="0">
                 <a:solidFill>
                   <a:schemeClr val="dk1"/>
                 </a:solidFill>
@@ -15376,7 +15396,7 @@
               <a:t>For Brazilian name sets, we scraped Facebook pages of Brazilian groups, for example, “Clash of Clans Brazil” or “Brazilians for Animal Rights.” For non-Brazilian data, we scraped Facebook pages of colleges to ensure ethnic diversity in the name set of non-Brazilians. The final Distribution of Brazilian and non-Brazilian classes is </a:t>
             </a:r>
             <a:r>
-              <a:rPr lang="en-US" sz="4000" dirty="0" smtClean="0">
+              <a:rPr lang="en-US" sz="3700" dirty="0" smtClean="0">
                 <a:solidFill>
                   <a:schemeClr val="dk1"/>
                 </a:solidFill>
@@ -15384,7 +15404,7 @@
               <a:t>50:50. </a:t>
             </a:r>
             <a:r>
-              <a:rPr lang="en-US" sz="4000" dirty="0">
+              <a:rPr lang="en-US" sz="3700" dirty="0">
                 <a:solidFill>
                   <a:schemeClr val="dk1"/>
                 </a:solidFill>
@@ -15392,7 +15412,7 @@
               <a:t>We have collected a total of 60,000 names</a:t>
             </a:r>
             <a:r>
-              <a:rPr lang="en-US" sz="4000" dirty="0" smtClean="0">
+              <a:rPr lang="en-US" sz="3700" dirty="0" smtClean="0">
                 <a:solidFill>
                   <a:schemeClr val="dk1"/>
                 </a:solidFill>
@@ -15400,7 +15420,7 @@
               <a:t>. Therefore, we have a </a:t>
             </a:r>
             <a:r>
-              <a:rPr lang="en-US" sz="4000" u="sng" dirty="0" smtClean="0">
+              <a:rPr lang="en-US" sz="3700" u="sng" dirty="0" smtClean="0">
                 <a:solidFill>
                   <a:schemeClr val="dk1"/>
                 </a:solidFill>
@@ -15408,20 +15428,41 @@
               <a:t>baseline accuracy of 50% </a:t>
             </a:r>
             <a:r>
-              <a:rPr lang="en-US" sz="4000" dirty="0" smtClean="0">
+              <a:rPr lang="en-US" sz="3700" dirty="0" smtClean="0">
                 <a:solidFill>
                   <a:schemeClr val="dk1"/>
                 </a:solidFill>
               </a:rPr>
-              <a:t>we aimed to beat, which would be random guessing.</a:t>
+              <a:t>we aimed to beat, which would be random guessing</a:t>
             </a:r>
-            <a:endParaRPr sz="6000" dirty="0">
+            <a:r>
+              <a:rPr lang="en-US" sz="3700" dirty="0" smtClean="0">
+                <a:solidFill>
+                  <a:schemeClr val="dk1"/>
+                </a:solidFill>
+              </a:rPr>
+              <a:t>.</a:t>
+            </a:r>
+          </a:p>
+          <a:p>
+            <a:pPr lvl="0">
+              <a:lnSpc>
+                <a:spcPct val="124000"/>
+              </a:lnSpc>
+            </a:pPr>
+            <a:r>
+              <a:rPr lang="en-US" sz="3700" dirty="0" smtClean="0">
+                <a:solidFill>
+                  <a:schemeClr val="dk1"/>
+                </a:solidFill>
+                <a:sym typeface="Arial"/>
+              </a:rPr>
+              <a:t>We used 80% of our data for training and 20% for testing and validation</a:t>
+            </a:r>
+            <a:endParaRPr sz="3700" dirty="0">
               <a:solidFill>
                 <a:schemeClr val="dk1"/>
               </a:solidFill>
-              <a:latin typeface="Arial"/>
-              <a:ea typeface="Arial"/>
-              <a:cs typeface="Arial"/>
               <a:sym typeface="Arial"/>
             </a:endParaRPr>
           </a:p>
@@ -15449,8 +15490,8 @@
         </p:blipFill>
         <p:spPr>
           <a:xfrm>
-            <a:off x="12192000" y="6476232"/>
-            <a:ext cx="14142720" cy="9088715"/>
+            <a:off x="12547936" y="11105198"/>
+            <a:ext cx="12368427" cy="7741081"/>
           </a:xfrm>
           <a:prstGeom prst="rect">
             <a:avLst/>
@@ -15465,8 +15506,8 @@
         </p:nvSpPr>
         <p:spPr>
           <a:xfrm>
-            <a:off x="13102977" y="7788491"/>
-            <a:ext cx="8610600" cy="1015663"/>
+            <a:off x="12849369" y="17991690"/>
+            <a:ext cx="12066994" cy="1477328"/>
           </a:xfrm>
           <a:prstGeom prst="rect">
             <a:avLst/>
@@ -15497,7 +15538,11 @@
             </a:r>
             <a:r>
               <a:rPr lang="en-US" sz="3000" dirty="0" smtClean="0"/>
-              <a:t>, etc.</a:t>
+              <a:t>, etc</a:t>
+            </a:r>
+            <a:r>
+              <a:rPr lang="en-US" sz="3000" dirty="0" smtClean="0"/>
+              <a:t>. “LSTM” stands for Long-short term memory which is a block used for building connections between inputs.</a:t>
             </a:r>
             <a:endParaRPr lang="en-US" sz="3000" dirty="0"/>
           </a:p>
@@ -15526,8 +15571,8 @@
         </p:blipFill>
         <p:spPr bwMode="auto">
           <a:xfrm>
-            <a:off x="12632269" y="15030450"/>
-            <a:ext cx="13702452" cy="8238285"/>
+            <a:off x="13096581" y="19635013"/>
+            <a:ext cx="11125199" cy="6688771"/>
           </a:xfrm>
           <a:prstGeom prst="rect">
             <a:avLst/>
@@ -15552,7 +15597,7 @@
         </p:nvSpPr>
         <p:spPr>
           <a:xfrm>
-            <a:off x="12669203" y="23728680"/>
+            <a:off x="12547936" y="26033380"/>
             <a:ext cx="13665517" cy="1015663"/>
           </a:xfrm>
           <a:prstGeom prst="rect">
@@ -15582,8 +15627,8 @@
         </p:nvSpPr>
         <p:spPr>
           <a:xfrm>
-            <a:off x="26738055" y="5714028"/>
-            <a:ext cx="9658979" cy="6858972"/>
+            <a:off x="25877520" y="5835560"/>
+            <a:ext cx="10519515" cy="4938988"/>
           </a:xfrm>
           <a:prstGeom prst="rect">
             <a:avLst/>
@@ -15640,24 +15685,50 @@
               </a:lnSpc>
             </a:pPr>
             <a:r>
-              <a:rPr lang="en-US" sz="4000" dirty="0"/>
-              <a:t>We first tried the RNN on just first name inputs, and got an accuracy of 86% on training data. We then trained the model on inputs of first name and last name as two separate features and got an accuracy of 90% on the training data</a:t>
+              <a:rPr lang="en-US" sz="3700" dirty="0"/>
+              <a:t>We first tried the RNN on just first name inputs, and got an accuracy of 86% on training data. We then trained the model on inputs of first name and last name as two </a:t>
             </a:r>
             <a:r>
-              <a:rPr lang="en-US" sz="4000" dirty="0" smtClean="0">
+              <a:rPr lang="en-US" sz="3700" dirty="0" smtClean="0"/>
+              <a:t>separate </a:t>
+            </a:r>
+            <a:r>
+              <a:rPr lang="en-US" sz="3700" dirty="0"/>
+              <a:t>features and got an accuracy of 90% on the training data</a:t>
+            </a:r>
+            <a:r>
+              <a:rPr lang="en-US" sz="3700" dirty="0" smtClean="0">
                 <a:solidFill>
                   <a:schemeClr val="dk1"/>
                 </a:solidFill>
               </a:rPr>
               <a:t>. </a:t>
             </a:r>
-            <a:endParaRPr sz="4000" dirty="0">
+            <a:endParaRPr lang="en-US" sz="3700" dirty="0" smtClean="0">
               <a:solidFill>
                 <a:schemeClr val="dk1"/>
               </a:solidFill>
-              <a:latin typeface="Arial"/>
-              <a:ea typeface="Arial"/>
-              <a:cs typeface="Arial"/>
+            </a:endParaRPr>
+          </a:p>
+          <a:p>
+            <a:pPr lvl="0">
+              <a:lnSpc>
+                <a:spcPct val="124000"/>
+              </a:lnSpc>
+            </a:pPr>
+            <a:r>
+              <a:rPr lang="en-US" sz="3700" dirty="0" smtClean="0">
+                <a:solidFill>
+                  <a:schemeClr val="dk1"/>
+                </a:solidFill>
+                <a:sym typeface="Arial"/>
+              </a:rPr>
+              <a:t>Figure 2 compares the training accuracy to the validation accuracy.</a:t>
+            </a:r>
+            <a:endParaRPr sz="3700" dirty="0">
+              <a:solidFill>
+                <a:schemeClr val="dk1"/>
+              </a:solidFill>
               <a:sym typeface="Arial"/>
             </a:endParaRPr>
           </a:p>
@@ -15694,8 +15765,8 @@
         </p:nvSpPr>
         <p:spPr>
           <a:xfrm>
-            <a:off x="26665379" y="11534451"/>
-            <a:ext cx="9658979" cy="8888615"/>
+            <a:off x="25877520" y="12303027"/>
+            <a:ext cx="10446838" cy="8888615"/>
           </a:xfrm>
           <a:prstGeom prst="rect">
             <a:avLst/>
@@ -15748,50 +15819,162 @@
               </a:lnSpc>
             </a:pPr>
             <a:r>
-              <a:rPr lang="en-US" sz="4000" dirty="0">
+              <a:rPr lang="en-US" sz="3700" dirty="0" err="1" smtClean="0">
                 <a:solidFill>
                   <a:schemeClr val="dk1"/>
                 </a:solidFill>
               </a:rPr>
-              <a:t>In the end, the RNN was the most successful because it took into account the order of the characters. </a:t>
+              <a:t>I</a:t>
             </a:r>
             <a:r>
-              <a:rPr lang="en-US" sz="4000" dirty="0" smtClean="0"/>
-              <a:t>There are several ways we imagine the RNN could be improved. First, we could use </a:t>
+              <a:rPr lang="en-US" sz="3600" dirty="0" err="1">
+                <a:solidFill>
+                  <a:schemeClr val="dk1"/>
+                </a:solidFill>
+              </a:rPr>
+              <a:t>In</a:t>
             </a:r>
             <a:r>
-              <a:rPr lang="en-US" sz="4000" dirty="0"/>
-              <a:t>pre-trained character embedding instead of one-hot encoding. </a:t>
+              <a:rPr lang="en-US" sz="3600" dirty="0">
+                <a:solidFill>
+                  <a:schemeClr val="dk1"/>
+                </a:solidFill>
+              </a:rPr>
+              <a:t> the end, the RNN was the most </a:t>
             </a:r>
             <a:r>
-              <a:rPr lang="en-US" sz="4000" dirty="0" smtClean="0"/>
-              <a:t>Another improvement would be better </a:t>
+              <a:rPr lang="en-US" sz="3600" dirty="0" err="1"/>
+              <a:t>c</a:t>
             </a:r>
             <a:r>
-              <a:rPr lang="en-US" sz="4000" dirty="0"/>
-              <a:t>and cleaner sampling of </a:t>
+              <a:rPr lang="en-US" sz="3600" dirty="0" err="1">
+                <a:solidFill>
+                  <a:schemeClr val="dk1"/>
+                </a:solidFill>
+              </a:rPr>
+              <a:t>successful</a:t>
             </a:r>
             <a:r>
-              <a:rPr lang="en-US" sz="4000" dirty="0" smtClean="0"/>
-              <a:t>data, from a more accurate source than Facebook. We hope that the model we’ve created here will be useful in achieving </a:t>
+              <a:rPr lang="en-US" sz="3600" dirty="0">
+                <a:solidFill>
+                  <a:schemeClr val="dk1"/>
+                </a:solidFill>
+              </a:rPr>
+              <a:t> because it took into account the order of the characters. </a:t>
             </a:r>
             <a:r>
-              <a:rPr lang="en-US" sz="4000" dirty="0" err="1" smtClean="0"/>
+              <a:rPr lang="en-US" sz="3600" dirty="0"/>
+              <a:t>There are several ways we imagine the RNN could be improved. First, we could use pre-trained character embedding instead of one-hot encoding. Another improvement would be better and leaner sampling of data, from a more accurate source than Facebook. We hope that the model we’ve created here will be useful in achieving </a:t>
+            </a:r>
+            <a:r>
+              <a:rPr lang="en-US" sz="3600" dirty="0" err="1"/>
               <a:t>Digaai’s</a:t>
             </a:r>
             <a:r>
-              <a:rPr lang="en-US" sz="4000" dirty="0" smtClean="0"/>
+              <a:rPr lang="en-US" sz="3600" dirty="0"/>
               <a:t> goal of tracking the Brazilian cultural </a:t>
             </a:r>
             <a:r>
-              <a:rPr lang="en-US" sz="4000" dirty="0" err="1" smtClean="0"/>
+              <a:rPr lang="en-US" sz="3600" dirty="0" err="1"/>
               <a:t>diapsora</a:t>
             </a:r>
             <a:r>
-              <a:rPr lang="en-US" sz="4000" dirty="0" smtClean="0"/>
+              <a:rPr lang="en-US" sz="3600" dirty="0"/>
               <a:t>.</a:t>
             </a:r>
-            <a:endParaRPr sz="6000" dirty="0">
+            <a:endParaRPr lang="en-US" sz="5400" dirty="0">
+              <a:solidFill>
+                <a:schemeClr val="dk1"/>
+              </a:solidFill>
+            </a:endParaRPr>
+          </a:p>
+        </p:txBody>
+      </p:sp>
+      <p:sp>
+        <p:nvSpPr>
+          <p:cNvPr id="21" name="Shape 97"/>
+          <p:cNvSpPr txBox="1"/>
+          <p:nvPr/>
+        </p:nvSpPr>
+        <p:spPr>
+          <a:xfrm>
+            <a:off x="13023607" y="5835560"/>
+            <a:ext cx="11573755" cy="1868941"/>
+          </a:xfrm>
+          <a:prstGeom prst="rect">
+            <a:avLst/>
+          </a:prstGeom>
+          <a:noFill/>
+          <a:ln>
+            <a:noFill/>
+          </a:ln>
+        </p:spPr>
+        <p:txBody>
+          <a:bodyPr wrap="square" lIns="91425" tIns="45700" rIns="91425" bIns="45700" anchor="t" anchorCtr="0">
+            <a:noAutofit/>
+          </a:bodyPr>
+          <a:lstStyle/>
+          <a:p>
+            <a:pPr marL="0" marR="0" lvl="0" indent="0" algn="ctr" rtl="0">
+              <a:lnSpc>
+                <a:spcPct val="124000"/>
+              </a:lnSpc>
+              <a:spcBef>
+                <a:spcPts val="0"/>
+              </a:spcBef>
+              <a:spcAft>
+                <a:spcPts val="0"/>
+              </a:spcAft>
+              <a:buNone/>
+            </a:pPr>
+            <a:r>
+              <a:rPr lang="en-US" sz="6000" dirty="0" smtClean="0">
+                <a:solidFill>
+                  <a:schemeClr val="dk1"/>
+                </a:solidFill>
+                <a:latin typeface="Arial"/>
+                <a:ea typeface="Arial"/>
+                <a:cs typeface="Arial"/>
+                <a:sym typeface="Arial"/>
+              </a:rPr>
+              <a:t>RNN Model</a:t>
+            </a:r>
+            <a:endParaRPr lang="en-US" sz="6000" dirty="0">
+              <a:solidFill>
+                <a:schemeClr val="dk1"/>
+              </a:solidFill>
+              <a:latin typeface="Arial"/>
+              <a:ea typeface="Arial"/>
+              <a:cs typeface="Arial"/>
+              <a:sym typeface="Arial"/>
+            </a:endParaRPr>
+          </a:p>
+          <a:p>
+            <a:pPr marL="0" marR="0" lvl="0" indent="0" algn="l" rtl="0">
+              <a:lnSpc>
+                <a:spcPct val="124000"/>
+              </a:lnSpc>
+              <a:spcBef>
+                <a:spcPts val="0"/>
+              </a:spcBef>
+              <a:spcAft>
+                <a:spcPts val="0"/>
+              </a:spcAft>
+              <a:buNone/>
+            </a:pPr>
+            <a:r>
+              <a:rPr lang="en-US" sz="3700" dirty="0" smtClean="0">
+                <a:solidFill>
+                  <a:schemeClr val="dk1"/>
+                </a:solidFill>
+                <a:latin typeface="Arial"/>
+                <a:ea typeface="Arial"/>
+                <a:cs typeface="Arial"/>
+                <a:sym typeface="Arial"/>
+              </a:rPr>
+              <a:t>A recurrent neural network is different from a vanilla one because it takes previous inputs into account, and each input has an associated timestamp. In our implementation, each letter of the name would be an input to the network with the position as the timestamp, e.g. the first letter of the name would have a timestamp of 1.</a:t>
+            </a:r>
+            <a:endParaRPr sz="3700" dirty="0">
               <a:solidFill>
                 <a:schemeClr val="dk1"/>
               </a:solidFill>

--- a/Poster.pptx
+++ b/Poster.pptx
@@ -15049,10 +15049,10 @@
                   <a:schemeClr val="dk1"/>
                 </a:solidFill>
               </a:rPr>
-              <a:t>In an effort to help the </a:t>
+              <a:t>In an effort to help </a:t>
             </a:r>
             <a:r>
-              <a:rPr lang="en-US" sz="3700" dirty="0" err="1">
+              <a:rPr lang="en-US" sz="3700" dirty="0" err="1" smtClean="0">
                 <a:solidFill>
                   <a:schemeClr val="dk1"/>
                 </a:solidFill>
@@ -15075,11 +15075,6 @@
               </a:rPr>
               <a:t>Brazilian. </a:t>
             </a:r>
-            <a:endParaRPr lang="en-US" sz="3700" dirty="0" smtClean="0">
-              <a:solidFill>
-                <a:schemeClr val="dk1"/>
-              </a:solidFill>
-            </a:endParaRPr>
           </a:p>
           <a:p>
             <a:pPr lvl="0">
@@ -15093,31 +15088,7 @@
                   <a:schemeClr val="dk1"/>
                 </a:solidFill>
               </a:rPr>
-              <a:t>We </a:t>
-            </a:r>
-            <a:r>
-              <a:rPr lang="en-US" sz="3700" dirty="0" smtClean="0">
-                <a:solidFill>
-                  <a:schemeClr val="dk1"/>
-                </a:solidFill>
-              </a:rPr>
-              <a:t>came up with several different models, including a logistic regression, a </a:t>
-            </a:r>
-            <a:r>
-              <a:rPr lang="en-US" sz="3700" dirty="0" smtClean="0">
-                <a:solidFill>
-                  <a:schemeClr val="dk1"/>
-                </a:solidFill>
-              </a:rPr>
-              <a:t>vanilla </a:t>
-            </a:r>
-            <a:r>
-              <a:rPr lang="en-US" sz="3700" dirty="0" smtClean="0">
-                <a:solidFill>
-                  <a:schemeClr val="dk1"/>
-                </a:solidFill>
-              </a:rPr>
-              <a:t>neural network, and a recurrent neural network. Using these machine learning techniques, we’ve managed to develop a fairly accurate model for determining whether or not a person is Brazilian based on their first and last name.</a:t>
+              <a:t>We came up with several different models, including a logistic regression, a vanilla neural network, and a recurrent neural network. Using these machine learning techniques, we’ve managed to develop a fairly accurate model for determining whether or not a person is Brazilian based on their first and last name.</a:t>
             </a:r>
             <a:endParaRPr sz="3700" dirty="0">
               <a:solidFill>
@@ -15331,7 +15302,7 @@
         <p:spPr>
           <a:xfrm>
             <a:off x="494135" y="14523557"/>
-            <a:ext cx="11734800" cy="9890923"/>
+            <a:ext cx="11734800" cy="10243596"/>
           </a:xfrm>
           <a:prstGeom prst="rect">
             <a:avLst/>
@@ -15433,15 +15404,7 @@
                   <a:schemeClr val="dk1"/>
                 </a:solidFill>
               </a:rPr>
-              <a:t>we aimed to beat, which would be random guessing</a:t>
-            </a:r>
-            <a:r>
-              <a:rPr lang="en-US" sz="3700" dirty="0" smtClean="0">
-                <a:solidFill>
-                  <a:schemeClr val="dk1"/>
-                </a:solidFill>
-              </a:rPr>
-              <a:t>.</a:t>
+              <a:t>we aimed to beat, which would be random guessing.</a:t>
             </a:r>
           </a:p>
           <a:p>
@@ -15450,6 +15413,19 @@
                 <a:spcPct val="124000"/>
               </a:lnSpc>
             </a:pPr>
+            <a:endParaRPr lang="en-US" sz="3700" dirty="0" smtClean="0">
+              <a:solidFill>
+                <a:schemeClr val="dk1"/>
+              </a:solidFill>
+              <a:sym typeface="Arial"/>
+            </a:endParaRPr>
+          </a:p>
+          <a:p>
+            <a:pPr lvl="0">
+              <a:lnSpc>
+                <a:spcPct val="124000"/>
+              </a:lnSpc>
+            </a:pPr>
             <a:r>
               <a:rPr lang="en-US" sz="3700" dirty="0" smtClean="0">
                 <a:solidFill>
@@ -15457,7 +15433,25 @@
                 </a:solidFill>
                 <a:sym typeface="Arial"/>
               </a:rPr>
-              <a:t>We used 80% of our data for training and 20% for testing and validation</a:t>
+              <a:t>We </a:t>
+            </a:r>
+            <a:r>
+              <a:rPr lang="en-US" sz="3700" dirty="0" smtClean="0">
+                <a:solidFill>
+                  <a:schemeClr val="dk1"/>
+                </a:solidFill>
+                <a:sym typeface="Arial"/>
+              </a:rPr>
+              <a:t>used 80% of our data for training and 20% for testing and </a:t>
+            </a:r>
+            <a:r>
+              <a:rPr lang="en-US" sz="3700" dirty="0" smtClean="0">
+                <a:solidFill>
+                  <a:schemeClr val="dk1"/>
+                </a:solidFill>
+                <a:sym typeface="Arial"/>
+              </a:rPr>
+              <a:t>validation.</a:t>
             </a:r>
             <a:endParaRPr sz="3700" dirty="0">
               <a:solidFill>
@@ -15538,11 +15532,7 @@
             </a:r>
             <a:r>
               <a:rPr lang="en-US" sz="3000" dirty="0" smtClean="0"/>
-              <a:t>, etc</a:t>
-            </a:r>
-            <a:r>
-              <a:rPr lang="en-US" sz="3000" dirty="0" smtClean="0"/>
-              <a:t>. “LSTM” stands for Long-short term memory which is a block used for building connections between inputs.</a:t>
+              <a:t>, etc. “LSTM” stands for Long-short term memory which is a block used for building connections between inputs.</a:t>
             </a:r>
             <a:endParaRPr lang="en-US" sz="3000" dirty="0"/>
           </a:p>
@@ -15704,11 +15694,6 @@
               </a:rPr>
               <a:t>. </a:t>
             </a:r>
-            <a:endParaRPr lang="en-US" sz="3700" dirty="0" smtClean="0">
-              <a:solidFill>
-                <a:schemeClr val="dk1"/>
-              </a:solidFill>
-            </a:endParaRPr>
           </a:p>
           <a:p>
             <a:pPr lvl="0">
@@ -15819,20 +15804,12 @@
               </a:lnSpc>
             </a:pPr>
             <a:r>
-              <a:rPr lang="en-US" sz="3700" dirty="0" err="1" smtClean="0">
+              <a:rPr lang="en-US" sz="3600" dirty="0" smtClean="0">
                 <a:solidFill>
                   <a:schemeClr val="dk1"/>
                 </a:solidFill>
               </a:rPr>
-              <a:t>I</a:t>
-            </a:r>
-            <a:r>
-              <a:rPr lang="en-US" sz="3600" dirty="0" err="1">
-                <a:solidFill>
-                  <a:schemeClr val="dk1"/>
-                </a:solidFill>
-              </a:rPr>
-              <a:t>In</a:t>
+              <a:t>In </a:t>
             </a:r>
             <a:r>
               <a:rPr lang="en-US" sz="3600" dirty="0">
@@ -15840,19 +15817,15 @@
                   <a:schemeClr val="dk1"/>
                 </a:solidFill>
               </a:rPr>
-              <a:t> the end, the RNN was the most </a:t>
+              <a:t>the end, the RNN was the most </a:t>
             </a:r>
             <a:r>
-              <a:rPr lang="en-US" sz="3600" dirty="0" err="1"/>
-              <a:t>c</a:t>
-            </a:r>
-            <a:r>
-              <a:rPr lang="en-US" sz="3600" dirty="0" err="1">
+              <a:rPr lang="en-US" sz="3600" dirty="0" smtClean="0">
                 <a:solidFill>
                   <a:schemeClr val="dk1"/>
                 </a:solidFill>
               </a:rPr>
-              <a:t>successful</a:t>
+              <a:t>successful </a:t>
             </a:r>
             <a:r>
               <a:rPr lang="en-US" sz="3600" dirty="0">
@@ -15860,7 +15833,7 @@
                   <a:schemeClr val="dk1"/>
                 </a:solidFill>
               </a:rPr>
-              <a:t> because it took into account the order of the characters. </a:t>
+              <a:t>because it took into account the order of the characters. </a:t>
             </a:r>
             <a:r>
               <a:rPr lang="en-US" sz="3600" dirty="0"/>
@@ -15875,12 +15848,8 @@
               <a:t> goal of tracking the Brazilian cultural </a:t>
             </a:r>
             <a:r>
-              <a:rPr lang="en-US" sz="3600" dirty="0" err="1"/>
-              <a:t>diapsora</a:t>
-            </a:r>
-            <a:r>
-              <a:rPr lang="en-US" sz="3600" dirty="0"/>
-              <a:t>.</a:t>
+              <a:rPr lang="en-US" sz="3600" dirty="0" smtClean="0"/>
+              <a:t>diaspora.</a:t>
             </a:r>
             <a:endParaRPr lang="en-US" sz="5400" dirty="0">
               <a:solidFill>

--- a/Poster.pptx
+++ b/Poster.pptx
@@ -1178,6 +1178,11 @@
         </p:txBody>
       </p:sp>
     </p:spTree>
+    <p:extLst>
+      <p:ext uri="{BB962C8B-B14F-4D97-AF65-F5344CB8AC3E}">
+        <p14:creationId xmlns:p14="http://schemas.microsoft.com/office/powerpoint/2010/main" val="385251063"/>
+      </p:ext>
+    </p:extLst>
   </p:cSld>
   <p:clrMap bg1="lt1" tx1="dk1" bg2="dk2" tx2="lt2" accent1="accent1" accent2="accent2" accent3="accent3" accent4="accent4" accent5="accent5" accent6="accent6" hlink="hlink" folHlink="folHlink"/>
   <p:notesStyle>
@@ -1461,6 +1466,11 @@
         </p:txBody>
       </p:sp>
     </p:spTree>
+    <p:extLst>
+      <p:ext uri="{BB962C8B-B14F-4D97-AF65-F5344CB8AC3E}">
+        <p14:creationId xmlns:p14="http://schemas.microsoft.com/office/powerpoint/2010/main" val="251420136"/>
+      </p:ext>
+    </p:extLst>
   </p:cSld>
   <p:clrMapOvr>
     <a:masterClrMapping/>
@@ -15364,7 +15374,7 @@
                   <a:schemeClr val="dk1"/>
                 </a:solidFill>
               </a:rPr>
-              <a:t>For Brazilian name sets, we scraped Facebook pages of Brazilian groups, for example, “Clash of Clans Brazil” or “Brazilians for Animal Rights.” For non-Brazilian data, we scraped Facebook pages of colleges to ensure ethnic diversity in the name set of non-Brazilians. The final Distribution of Brazilian and non-Brazilian classes is </a:t>
+              <a:t>For Brazilian name sets, we scraped Facebook pages of Brazilian groups, for example, “Clash of Clans Brazil” or “Brazilians for Animal Rights.” For non-Brazilian data, we scraped Facebook pages of colleges to ensure ethnic diversity in the name set of non-Brazilians. The final Distribution of Brazilian and non-Brazilian classes </a:t>
             </a:r>
             <a:r>
               <a:rPr lang="en-US" sz="3700" dirty="0" smtClean="0">
@@ -15372,7 +15382,7 @@
                   <a:schemeClr val="dk1"/>
                 </a:solidFill>
               </a:rPr>
-              <a:t>50:50. </a:t>
+              <a:t>is 1:1. </a:t>
             </a:r>
             <a:r>
               <a:rPr lang="en-US" sz="3700" dirty="0">
@@ -15433,25 +15443,7 @@
                 </a:solidFill>
                 <a:sym typeface="Arial"/>
               </a:rPr>
-              <a:t>We </a:t>
-            </a:r>
-            <a:r>
-              <a:rPr lang="en-US" sz="3700" dirty="0" smtClean="0">
-                <a:solidFill>
-                  <a:schemeClr val="dk1"/>
-                </a:solidFill>
-                <a:sym typeface="Arial"/>
-              </a:rPr>
-              <a:t>used 80% of our data for training and 20% for testing and </a:t>
-            </a:r>
-            <a:r>
-              <a:rPr lang="en-US" sz="3700" dirty="0" smtClean="0">
-                <a:solidFill>
-                  <a:schemeClr val="dk1"/>
-                </a:solidFill>
-                <a:sym typeface="Arial"/>
-              </a:rPr>
-              <a:t>validation.</a:t>
+              <a:t>We used 80% of our data for training and 20% for testing and validation.</a:t>
             </a:r>
             <a:endParaRPr sz="3700" dirty="0">
               <a:solidFill>
@@ -15941,7 +15933,31 @@
                 <a:cs typeface="Arial"/>
                 <a:sym typeface="Arial"/>
               </a:rPr>
-              <a:t>A recurrent neural network is different from a vanilla one because it takes previous inputs into account, and each input has an associated timestamp. In our implementation, each letter of the name would be an input to the network with the position as the timestamp, e.g. the first letter of the name would have a timestamp of 1.</a:t>
+              <a:t>A recurrent neural network is different from a vanilla one because it </a:t>
+            </a:r>
+            <a:r>
+              <a:rPr lang="en-US" sz="3700" dirty="0" smtClean="0">
+                <a:solidFill>
+                  <a:schemeClr val="dk1"/>
+                </a:solidFill>
+                <a:latin typeface="Arial"/>
+                <a:ea typeface="Arial"/>
+                <a:cs typeface="Arial"/>
+                <a:sym typeface="Arial"/>
+              </a:rPr>
+              <a:t>learns from sequences, </a:t>
+            </a:r>
+            <a:r>
+              <a:rPr lang="en-US" sz="3700" dirty="0" smtClean="0">
+                <a:solidFill>
+                  <a:schemeClr val="dk1"/>
+                </a:solidFill>
+                <a:latin typeface="Arial"/>
+                <a:ea typeface="Arial"/>
+                <a:cs typeface="Arial"/>
+                <a:sym typeface="Arial"/>
+              </a:rPr>
+              <a:t>and each input has an associated timestamp. In our implementation, each letter of the name would be an input to the network with the position as the timestamp, e.g. the first letter of the name would have a timestamp of 1.</a:t>
             </a:r>
             <a:endParaRPr sz="3700" dirty="0">
               <a:solidFill>

--- a/Poster.pptx
+++ b/Poster.pptx
@@ -15668,7 +15668,15 @@
             </a:pPr>
             <a:r>
               <a:rPr lang="en-US" sz="3700" dirty="0"/>
-              <a:t>We first tried the RNN on just first name inputs, and got an accuracy of 86% on training data. We then trained the model on inputs of first name and last name as two </a:t>
+              <a:t>We first tried the RNN on just first name inputs, and got an accuracy of 86% on </a:t>
+            </a:r>
+            <a:r>
+              <a:rPr lang="en-US" sz="3700" dirty="0" smtClean="0"/>
+              <a:t>testing </a:t>
+            </a:r>
+            <a:r>
+              <a:rPr lang="en-US" sz="3700" dirty="0"/>
+              <a:t>data. We then trained the model on inputs of first name and last name as two </a:t>
             </a:r>
             <a:r>
               <a:rPr lang="en-US" sz="3700" dirty="0" smtClean="0"/>
@@ -15676,7 +15684,11 @@
             </a:r>
             <a:r>
               <a:rPr lang="en-US" sz="3700" dirty="0"/>
-              <a:t>features and got an accuracy of 90% on the training data</a:t>
+              <a:t>features and got an accuracy of 90% on </a:t>
+            </a:r>
+            <a:r>
+              <a:rPr lang="en-US" sz="3700" dirty="0" smtClean="0"/>
+              <a:t>the testing data</a:t>
             </a:r>
             <a:r>
               <a:rPr lang="en-US" sz="3700" dirty="0" smtClean="0">
@@ -15933,31 +15945,7 @@
                 <a:cs typeface="Arial"/>
                 <a:sym typeface="Arial"/>
               </a:rPr>
-              <a:t>A recurrent neural network is different from a vanilla one because it </a:t>
-            </a:r>
-            <a:r>
-              <a:rPr lang="en-US" sz="3700" dirty="0" smtClean="0">
-                <a:solidFill>
-                  <a:schemeClr val="dk1"/>
-                </a:solidFill>
-                <a:latin typeface="Arial"/>
-                <a:ea typeface="Arial"/>
-                <a:cs typeface="Arial"/>
-                <a:sym typeface="Arial"/>
-              </a:rPr>
-              <a:t>learns from sequences, </a:t>
-            </a:r>
-            <a:r>
-              <a:rPr lang="en-US" sz="3700" dirty="0" smtClean="0">
-                <a:solidFill>
-                  <a:schemeClr val="dk1"/>
-                </a:solidFill>
-                <a:latin typeface="Arial"/>
-                <a:ea typeface="Arial"/>
-                <a:cs typeface="Arial"/>
-                <a:sym typeface="Arial"/>
-              </a:rPr>
-              <a:t>and each input has an associated timestamp. In our implementation, each letter of the name would be an input to the network with the position as the timestamp, e.g. the first letter of the name would have a timestamp of 1.</a:t>
+              <a:t>A recurrent neural network is different from a vanilla one because it learns from sequences, and each input has an associated timestamp. In our implementation, each letter of the name would be an input to the network with the position as the timestamp, e.g. the first letter of the name would have a timestamp of 1.</a:t>
             </a:r>
             <a:endParaRPr sz="3700" dirty="0">
               <a:solidFill>
